--- a/figure 5F-G/ML_effect_wixon_plot.pptx
+++ b/figure 5F-G/ML_effect_wixon_plot.pptx
@@ -8864,7 +8864,7 @@
           </p:nvSpPr>
           <p:spPr>
             <a:xfrm>
-              <a:off x="1585262" y="5490511"/>
+              <a:off x="1585262" y="5490510"/>
               <a:ext cx="90303" cy="90303"/>
             </a:xfrm>
             <a:prstGeom prst="ellipse">
@@ -9014,53 +9014,13 @@
         </p:sp>
         <p:sp>
           <p:nvSpPr>
-            <p:cNvPr id="197" name="pl196"/>
-            <p:cNvSpPr/>
-            <p:nvPr/>
-          </p:nvSpPr>
-          <p:spPr>
-            <a:xfrm>
-              <a:off x="3904028" y="1119968"/>
-              <a:ext cx="53986" cy="78976"/>
-            </a:xfrm>
-            <a:custGeom>
-              <a:avLst/>
-              <a:pathLst>
-                <a:path w="53986" h="78976">
-                  <a:moveTo>
-                    <a:pt x="53986" y="0"/>
-                  </a:moveTo>
-                  <a:lnTo>
-                    <a:pt x="0" y="78976"/>
-                  </a:lnTo>
-                </a:path>
-              </a:pathLst>
-            </a:custGeom>
-            <a:ln w="16260" cap="rnd">
-              <a:solidFill>
-                <a:srgbClr val="000000">
-                  <a:alpha val="100000"/>
-                </a:srgbClr>
-              </a:solidFill>
-              <a:prstDash val="solid"/>
-              <a:round/>
-            </a:ln>
-          </p:spPr>
-          <p:txBody>
-            <a:bodyPr/>
-            <a:lstStyle/>
-            <a:p/>
-          </p:txBody>
-        </p:sp>
-        <p:sp>
-          <p:nvSpPr>
-            <p:cNvPr id="198" name="tx197"/>
-            <p:cNvSpPr/>
-            <p:nvPr/>
-          </p:nvSpPr>
-          <p:spPr>
-            <a:xfrm>
-              <a:off x="5480863" y="2509988"/>
+            <p:cNvPr id="197" name="tx196"/>
+            <p:cNvSpPr/>
+            <p:nvPr/>
+          </p:nvSpPr>
+          <p:spPr>
+            <a:xfrm>
+              <a:off x="5481006" y="2448707"/>
               <a:ext cx="542448" cy="78868"/>
             </a:xfrm>
             <a:prstGeom prst="rect">
@@ -9100,13 +9060,13 @@
         </p:sp>
         <p:sp>
           <p:nvSpPr>
-            <p:cNvPr id="199" name="tx198"/>
-            <p:cNvSpPr/>
-            <p:nvPr/>
-          </p:nvSpPr>
-          <p:spPr>
-            <a:xfrm>
-              <a:off x="2674853" y="2505502"/>
+            <p:cNvPr id="198" name="tx197"/>
+            <p:cNvSpPr/>
+            <p:nvPr/>
+          </p:nvSpPr>
+          <p:spPr>
+            <a:xfrm>
+              <a:off x="2675044" y="2505006"/>
               <a:ext cx="1139099" cy="99141"/>
             </a:xfrm>
             <a:prstGeom prst="rect">
@@ -9146,13 +9106,13 @@
         </p:sp>
         <p:sp>
           <p:nvSpPr>
-            <p:cNvPr id="200" name="tx199"/>
-            <p:cNvSpPr/>
-            <p:nvPr/>
-          </p:nvSpPr>
-          <p:spPr>
-            <a:xfrm>
-              <a:off x="3980874" y="1056913"/>
+            <p:cNvPr id="199" name="tx198"/>
+            <p:cNvSpPr/>
+            <p:nvPr/>
+          </p:nvSpPr>
+          <p:spPr>
+            <a:xfrm>
+              <a:off x="3625175" y="1295703"/>
               <a:ext cx="295361" cy="78868"/>
             </a:xfrm>
             <a:prstGeom prst="rect">
@@ -9192,14 +9152,14 @@
         </p:sp>
         <p:sp>
           <p:nvSpPr>
-            <p:cNvPr id="201" name="tx200"/>
-            <p:cNvSpPr/>
-            <p:nvPr/>
-          </p:nvSpPr>
-          <p:spPr>
-            <a:xfrm>
-              <a:off x="4418897" y="2247040"/>
-              <a:ext cx="1057107" cy="101788"/>
+            <p:cNvPr id="200" name="tx199"/>
+            <p:cNvSpPr/>
+            <p:nvPr/>
+          </p:nvSpPr>
+          <p:spPr>
+            <a:xfrm>
+              <a:off x="4738198" y="1996699"/>
+              <a:ext cx="915990" cy="100729"/>
             </a:xfrm>
             <a:prstGeom prst="rect">
               <a:avLst/>
@@ -9231,14 +9191,14 @@
                   <a:latin typeface="Arial"/>
                   <a:cs typeface="Arial"/>
                 </a:rPr>
-                <a:t>2'-O-Methyladenosine</a:t>
+                <a:t>6-methyladenosine</a:t>
               </a:r>
             </a:p>
           </p:txBody>
         </p:sp>
         <p:sp>
           <p:nvSpPr>
-            <p:cNvPr id="202" name="pl201"/>
+            <p:cNvPr id="201" name="pl200"/>
             <p:cNvSpPr/>
             <p:nvPr/>
           </p:nvSpPr>
@@ -9278,7 +9238,7 @@
         </p:sp>
         <p:sp>
           <p:nvSpPr>
-            <p:cNvPr id="203" name="tx202"/>
+            <p:cNvPr id="202" name="tx201"/>
             <p:cNvSpPr/>
             <p:nvPr/>
           </p:nvSpPr>
@@ -9324,7 +9284,7 @@
         </p:sp>
         <p:sp>
           <p:nvSpPr>
-            <p:cNvPr id="204" name="tx203"/>
+            <p:cNvPr id="203" name="tx202"/>
             <p:cNvSpPr/>
             <p:nvPr/>
           </p:nvSpPr>
@@ -9370,7 +9330,7 @@
         </p:sp>
         <p:sp>
           <p:nvSpPr>
-            <p:cNvPr id="205" name="tx204"/>
+            <p:cNvPr id="204" name="tx203"/>
             <p:cNvSpPr/>
             <p:nvPr/>
           </p:nvSpPr>
@@ -9416,7 +9376,7 @@
         </p:sp>
         <p:sp>
           <p:nvSpPr>
-            <p:cNvPr id="206" name="tx205"/>
+            <p:cNvPr id="205" name="tx204"/>
             <p:cNvSpPr/>
             <p:nvPr/>
           </p:nvSpPr>
@@ -9462,7 +9422,7 @@
         </p:sp>
         <p:sp>
           <p:nvSpPr>
-            <p:cNvPr id="207" name="tx206"/>
+            <p:cNvPr id="206" name="tx205"/>
             <p:cNvSpPr/>
             <p:nvPr/>
           </p:nvSpPr>
@@ -9508,7 +9468,7 @@
         </p:sp>
         <p:sp>
           <p:nvSpPr>
-            <p:cNvPr id="208" name="pl207"/>
+            <p:cNvPr id="207" name="pl206"/>
             <p:cNvSpPr/>
             <p:nvPr/>
           </p:nvSpPr>
@@ -9548,7 +9508,7 @@
         </p:sp>
         <p:sp>
           <p:nvSpPr>
-            <p:cNvPr id="209" name="pl208"/>
+            <p:cNvPr id="208" name="pl207"/>
             <p:cNvSpPr/>
             <p:nvPr/>
           </p:nvSpPr>
@@ -9588,7 +9548,7 @@
         </p:sp>
         <p:sp>
           <p:nvSpPr>
-            <p:cNvPr id="210" name="pl209"/>
+            <p:cNvPr id="209" name="pl208"/>
             <p:cNvSpPr/>
             <p:nvPr/>
           </p:nvSpPr>
@@ -9628,7 +9588,7 @@
         </p:sp>
         <p:sp>
           <p:nvSpPr>
-            <p:cNvPr id="211" name="pl210"/>
+            <p:cNvPr id="210" name="pl209"/>
             <p:cNvSpPr/>
             <p:nvPr/>
           </p:nvSpPr>
@@ -9668,7 +9628,7 @@
         </p:sp>
         <p:sp>
           <p:nvSpPr>
-            <p:cNvPr id="212" name="pl211"/>
+            <p:cNvPr id="211" name="pl210"/>
             <p:cNvSpPr/>
             <p:nvPr/>
           </p:nvSpPr>
@@ -9708,7 +9668,7 @@
         </p:sp>
         <p:sp>
           <p:nvSpPr>
-            <p:cNvPr id="213" name="pl212"/>
+            <p:cNvPr id="212" name="pl211"/>
             <p:cNvSpPr/>
             <p:nvPr/>
           </p:nvSpPr>
@@ -9748,7 +9708,7 @@
         </p:sp>
         <p:sp>
           <p:nvSpPr>
-            <p:cNvPr id="214" name="pl213"/>
+            <p:cNvPr id="213" name="pl212"/>
             <p:cNvSpPr/>
             <p:nvPr/>
           </p:nvSpPr>
@@ -9788,7 +9748,7 @@
         </p:sp>
         <p:sp>
           <p:nvSpPr>
-            <p:cNvPr id="215" name="pl214"/>
+            <p:cNvPr id="214" name="pl213"/>
             <p:cNvSpPr/>
             <p:nvPr/>
           </p:nvSpPr>
@@ -9828,7 +9788,7 @@
         </p:sp>
         <p:sp>
           <p:nvSpPr>
-            <p:cNvPr id="216" name="pl215"/>
+            <p:cNvPr id="215" name="pl214"/>
             <p:cNvSpPr/>
             <p:nvPr/>
           </p:nvSpPr>
@@ -9868,7 +9828,7 @@
         </p:sp>
         <p:sp>
           <p:nvSpPr>
-            <p:cNvPr id="217" name="pl216"/>
+            <p:cNvPr id="216" name="pl215"/>
             <p:cNvSpPr/>
             <p:nvPr/>
           </p:nvSpPr>
@@ -9908,7 +9868,7 @@
         </p:sp>
         <p:sp>
           <p:nvSpPr>
-            <p:cNvPr id="218" name="tx217"/>
+            <p:cNvPr id="217" name="tx216"/>
             <p:cNvSpPr/>
             <p:nvPr/>
           </p:nvSpPr>
@@ -9954,7 +9914,7 @@
         </p:sp>
         <p:sp>
           <p:nvSpPr>
-            <p:cNvPr id="219" name="tx218"/>
+            <p:cNvPr id="218" name="tx217"/>
             <p:cNvSpPr/>
             <p:nvPr/>
           </p:nvSpPr>
@@ -10000,7 +9960,7 @@
         </p:sp>
         <p:sp>
           <p:nvSpPr>
-            <p:cNvPr id="220" name="tx219"/>
+            <p:cNvPr id="219" name="tx218"/>
             <p:cNvSpPr/>
             <p:nvPr/>
           </p:nvSpPr>
@@ -10046,7 +10006,7 @@
         </p:sp>
         <p:sp>
           <p:nvSpPr>
-            <p:cNvPr id="221" name="tx220"/>
+            <p:cNvPr id="220" name="tx219"/>
             <p:cNvSpPr/>
             <p:nvPr/>
           </p:nvSpPr>
@@ -10092,7 +10052,7 @@
         </p:sp>
         <p:sp>
           <p:nvSpPr>
-            <p:cNvPr id="222" name="tx221"/>
+            <p:cNvPr id="221" name="tx220"/>
             <p:cNvSpPr/>
             <p:nvPr/>
           </p:nvSpPr>
@@ -10138,7 +10098,7 @@
         </p:sp>
         <p:sp>
           <p:nvSpPr>
-            <p:cNvPr id="223" name="tx222"/>
+            <p:cNvPr id="222" name="tx221"/>
             <p:cNvSpPr/>
             <p:nvPr/>
           </p:nvSpPr>
